--- a/Data Pipeline and Quality Management.pptx
+++ b/Data Pipeline and Quality Management.pptx
@@ -122,6 +122,125 @@
 </p:presentation>
 </file>
 
+<file path=ppt/changesInfos/changesInfo1.xml><?xml version="1.0" encoding="utf-8"?>
+<pc:chgInfo xmlns:a="http://schemas.openxmlformats.org/drawingml/2006/main" xmlns:r="http://schemas.openxmlformats.org/officeDocument/2006/relationships" xmlns:ac="http://schemas.microsoft.com/office/drawing/2013/main/command" xmlns:pc="http://schemas.microsoft.com/office/powerpoint/2013/main/command">
+  <pc:docChgLst>
+    <pc:chgData name="SAI REDDY" userId="14a5ca6567626270" providerId="LiveId" clId="{575B6386-F218-42A8-A10C-5B43E2653DFD}"/>
+    <pc:docChg chg="undo custSel modSld">
+      <pc:chgData name="SAI REDDY" userId="14a5ca6567626270" providerId="LiveId" clId="{575B6386-F218-42A8-A10C-5B43E2653DFD}" dt="2025-02-09T19:06:46.505" v="1280" actId="20577"/>
+      <pc:docMkLst>
+        <pc:docMk/>
+      </pc:docMkLst>
+      <pc:sldChg chg="delSp modSp mod modNotesTx">
+        <pc:chgData name="SAI REDDY" userId="14a5ca6567626270" providerId="LiveId" clId="{575B6386-F218-42A8-A10C-5B43E2653DFD}" dt="2025-02-09T18:07:46.052" v="80" actId="113"/>
+        <pc:sldMkLst>
+          <pc:docMk/>
+          <pc:sldMk cId="191714609" sldId="258"/>
+        </pc:sldMkLst>
+        <pc:spChg chg="del mod">
+          <ac:chgData name="SAI REDDY" userId="14a5ca6567626270" providerId="LiveId" clId="{575B6386-F218-42A8-A10C-5B43E2653DFD}" dt="2025-02-09T17:53:08.733" v="3" actId="21"/>
+          <ac:spMkLst>
+            <pc:docMk/>
+            <pc:sldMk cId="191714609" sldId="258"/>
+            <ac:spMk id="3" creationId="{255E1F2F-E259-4EA8-9FFD-3A10AF541859}"/>
+          </ac:spMkLst>
+        </pc:spChg>
+      </pc:sldChg>
+      <pc:sldChg chg="delSp mod modNotesTx">
+        <pc:chgData name="SAI REDDY" userId="14a5ca6567626270" providerId="LiveId" clId="{575B6386-F218-42A8-A10C-5B43E2653DFD}" dt="2025-02-09T18:25:33.704" v="575" actId="113"/>
+        <pc:sldMkLst>
+          <pc:docMk/>
+          <pc:sldMk cId="1418790358" sldId="259"/>
+        </pc:sldMkLst>
+        <pc:spChg chg="del">
+          <ac:chgData name="SAI REDDY" userId="14a5ca6567626270" providerId="LiveId" clId="{575B6386-F218-42A8-A10C-5B43E2653DFD}" dt="2025-02-09T17:53:28.633" v="5" actId="21"/>
+          <ac:spMkLst>
+            <pc:docMk/>
+            <pc:sldMk cId="1418790358" sldId="259"/>
+            <ac:spMk id="3" creationId="{AD8001B4-75D4-CBF0-CC62-AB876F24F0D7}"/>
+          </ac:spMkLst>
+        </pc:spChg>
+      </pc:sldChg>
+      <pc:sldChg chg="delSp mod modNotesTx">
+        <pc:chgData name="SAI REDDY" userId="14a5ca6567626270" providerId="LiveId" clId="{575B6386-F218-42A8-A10C-5B43E2653DFD}" dt="2025-02-09T18:44:03.202" v="912" actId="113"/>
+        <pc:sldMkLst>
+          <pc:docMk/>
+          <pc:sldMk cId="3690899461" sldId="260"/>
+        </pc:sldMkLst>
+        <pc:spChg chg="del">
+          <ac:chgData name="SAI REDDY" userId="14a5ca6567626270" providerId="LiveId" clId="{575B6386-F218-42A8-A10C-5B43E2653DFD}" dt="2025-02-09T17:53:37.687" v="6" actId="21"/>
+          <ac:spMkLst>
+            <pc:docMk/>
+            <pc:sldMk cId="3690899461" sldId="260"/>
+            <ac:spMk id="3" creationId="{F3524C43-D1E6-21C1-E56A-FCA4E249B29F}"/>
+          </ac:spMkLst>
+        </pc:spChg>
+      </pc:sldChg>
+      <pc:sldChg chg="delSp mod modNotesTx">
+        <pc:chgData name="SAI REDDY" userId="14a5ca6567626270" providerId="LiveId" clId="{575B6386-F218-42A8-A10C-5B43E2653DFD}" dt="2025-02-09T18:47:20.633" v="916" actId="113"/>
+        <pc:sldMkLst>
+          <pc:docMk/>
+          <pc:sldMk cId="1578970125" sldId="261"/>
+        </pc:sldMkLst>
+        <pc:spChg chg="del">
+          <ac:chgData name="SAI REDDY" userId="14a5ca6567626270" providerId="LiveId" clId="{575B6386-F218-42A8-A10C-5B43E2653DFD}" dt="2025-02-09T17:53:48.451" v="7" actId="21"/>
+          <ac:spMkLst>
+            <pc:docMk/>
+            <pc:sldMk cId="1578970125" sldId="261"/>
+            <ac:spMk id="3" creationId="{2554F763-5B52-2BA5-8527-C64C854A3756}"/>
+          </ac:spMkLst>
+        </pc:spChg>
+      </pc:sldChg>
+      <pc:sldChg chg="delSp mod modNotesTx">
+        <pc:chgData name="SAI REDDY" userId="14a5ca6567626270" providerId="LiveId" clId="{575B6386-F218-42A8-A10C-5B43E2653DFD}" dt="2025-02-09T19:00:55.383" v="1165" actId="20577"/>
+        <pc:sldMkLst>
+          <pc:docMk/>
+          <pc:sldMk cId="3109204680" sldId="262"/>
+        </pc:sldMkLst>
+        <pc:spChg chg="del">
+          <ac:chgData name="SAI REDDY" userId="14a5ca6567626270" providerId="LiveId" clId="{575B6386-F218-42A8-A10C-5B43E2653DFD}" dt="2025-02-09T17:53:58.563" v="8" actId="21"/>
+          <ac:spMkLst>
+            <pc:docMk/>
+            <pc:sldMk cId="3109204680" sldId="262"/>
+            <ac:spMk id="3" creationId="{6DEA9518-4A28-A48B-FE7C-06EC8C775886}"/>
+          </ac:spMkLst>
+        </pc:spChg>
+      </pc:sldChg>
+      <pc:sldChg chg="delSp mod modNotesTx">
+        <pc:chgData name="SAI REDDY" userId="14a5ca6567626270" providerId="LiveId" clId="{575B6386-F218-42A8-A10C-5B43E2653DFD}" dt="2025-02-09T18:15:53.692" v="190" actId="113"/>
+        <pc:sldMkLst>
+          <pc:docMk/>
+          <pc:sldMk cId="1778255341" sldId="263"/>
+        </pc:sldMkLst>
+        <pc:spChg chg="del">
+          <ac:chgData name="SAI REDDY" userId="14a5ca6567626270" providerId="LiveId" clId="{575B6386-F218-42A8-A10C-5B43E2653DFD}" dt="2025-02-09T17:53:19.559" v="4" actId="21"/>
+          <ac:spMkLst>
+            <pc:docMk/>
+            <pc:sldMk cId="1778255341" sldId="263"/>
+            <ac:spMk id="3" creationId="{93185F83-7C15-961E-8667-DD1F939684BF}"/>
+          </ac:spMkLst>
+        </pc:spChg>
+      </pc:sldChg>
+      <pc:sldChg chg="delSp mod modNotesTx">
+        <pc:chgData name="SAI REDDY" userId="14a5ca6567626270" providerId="LiveId" clId="{575B6386-F218-42A8-A10C-5B43E2653DFD}" dt="2025-02-09T19:06:46.505" v="1280" actId="20577"/>
+        <pc:sldMkLst>
+          <pc:docMk/>
+          <pc:sldMk cId="1313278850" sldId="264"/>
+        </pc:sldMkLst>
+        <pc:spChg chg="del">
+          <ac:chgData name="SAI REDDY" userId="14a5ca6567626270" providerId="LiveId" clId="{575B6386-F218-42A8-A10C-5B43E2653DFD}" dt="2025-02-09T17:54:07.685" v="9" actId="21"/>
+          <ac:spMkLst>
+            <pc:docMk/>
+            <pc:sldMk cId="1313278850" sldId="264"/>
+            <ac:spMk id="3" creationId="{04274A39-E870-438D-99C9-5013CB44F209}"/>
+          </ac:spMkLst>
+        </pc:spChg>
+      </pc:sldChg>
+    </pc:docChg>
+  </pc:docChgLst>
+</pc:chgInfo>
+</file>
+
 <file path=ppt/notesMasters/notesMaster1.xml><?xml version="1.0" encoding="utf-8"?>
 <p:notesMaster xmlns:a="http://schemas.openxmlformats.org/drawingml/2006/main" xmlns:r="http://schemas.openxmlformats.org/officeDocument/2006/relationships" xmlns:p="http://schemas.openxmlformats.org/presentationml/2006/main">
   <p:cSld>
@@ -204,7 +323,7 @@
           <a:p>
             <a:fld id="{EC925DA6-AF30-4A9C-83E4-DC1844434F58}" type="datetimeFigureOut">
               <a:rPr lang="en-IN" smtClean="0"/>
-              <a:t>02-02-2025</a:t>
+              <a:t>09-02-2025</a:t>
             </a:fld>
             <a:endParaRPr lang="en-IN"/>
           </a:p>
@@ -517,9 +636,145 @@
           <a:lstStyle/>
           <a:p>
             <a:r>
+              <a:rPr lang="en-US" b="1" dirty="0"/>
+              <a:t>Extraction of Raw Data:</a:t>
+            </a:r>
+            <a:endParaRPr lang="en-US" dirty="0"/>
+          </a:p>
+          <a:p>
+            <a:pPr>
+              <a:buFont typeface="Arial" panose="020B0604020202020204" pitchFamily="34" charset="0"/>
+              <a:buChar char="•"/>
+            </a:pPr>
+            <a:r>
               <a:rPr lang="en-US" dirty="0"/>
-              <a:t>First data is extracted from relational data base and applied transformation techniques likes removing duplicates, handling missing values and outlier detection and removing them.</a:t>
-            </a:r>
+              <a:t>I begin by extracting raw data from a </a:t>
+            </a:r>
+            <a:r>
+              <a:rPr lang="en-US" b="0" dirty="0"/>
+              <a:t>relational database.</a:t>
+            </a:r>
+          </a:p>
+          <a:p>
+            <a:pPr>
+              <a:buFont typeface="Arial" panose="020B0604020202020204" pitchFamily="34" charset="0"/>
+              <a:buChar char="•"/>
+            </a:pPr>
+            <a:r>
+              <a:rPr lang="en-US" dirty="0"/>
+              <a:t>This could be done using queries to pull relevant tables and data extraction.</a:t>
+            </a:r>
+          </a:p>
+          <a:p>
+            <a:r>
+              <a:rPr lang="en-US" b="1" dirty="0"/>
+              <a:t>Data Transformation:</a:t>
+            </a:r>
+            <a:endParaRPr lang="en-US" dirty="0"/>
+          </a:p>
+          <a:p>
+            <a:pPr>
+              <a:buFont typeface="Arial" panose="020B0604020202020204" pitchFamily="34" charset="0"/>
+              <a:buChar char="•"/>
+            </a:pPr>
+            <a:r>
+              <a:rPr lang="en-US" dirty="0"/>
+              <a:t>Once extracted, the data needs to be </a:t>
+            </a:r>
+            <a:r>
+              <a:rPr lang="en-US" b="1" dirty="0"/>
+              <a:t>cleaned and prepared</a:t>
+            </a:r>
+            <a:r>
+              <a:rPr lang="en-US" dirty="0"/>
+              <a:t> for analysis.</a:t>
+            </a:r>
+          </a:p>
+          <a:p>
+            <a:pPr>
+              <a:buFont typeface="Arial" panose="020B0604020202020204" pitchFamily="34" charset="0"/>
+              <a:buChar char="•"/>
+            </a:pPr>
+            <a:r>
+              <a:rPr lang="en-US" dirty="0"/>
+              <a:t>Key transformations include:</a:t>
+            </a:r>
+          </a:p>
+          <a:p>
+            <a:pPr marL="742950" lvl="1" indent="-285750">
+              <a:buFont typeface="Arial" panose="020B0604020202020204" pitchFamily="34" charset="0"/>
+              <a:buChar char="•"/>
+            </a:pPr>
+            <a:r>
+              <a:rPr lang="en-US" b="0" dirty="0"/>
+              <a:t>Removing duplicates </a:t>
+            </a:r>
+            <a:r>
+              <a:rPr lang="en-US" dirty="0"/>
+              <a:t>to avoid redundancy.</a:t>
+            </a:r>
+          </a:p>
+          <a:p>
+            <a:pPr marL="742950" lvl="1" indent="-285750">
+              <a:buFont typeface="Arial" panose="020B0604020202020204" pitchFamily="34" charset="0"/>
+              <a:buChar char="•"/>
+            </a:pPr>
+            <a:r>
+              <a:rPr lang="en-US" b="0" dirty="0"/>
+              <a:t>Handling missing values</a:t>
+            </a:r>
+            <a:r>
+              <a:rPr lang="en-US" dirty="0"/>
+              <a:t>, either by filling them with appropriate values (imputation) or removing incomplete rows/columns.</a:t>
+            </a:r>
+          </a:p>
+          <a:p>
+            <a:pPr marL="742950" lvl="1" indent="-285750">
+              <a:buFont typeface="Arial" panose="020B0604020202020204" pitchFamily="34" charset="0"/>
+              <a:buChar char="•"/>
+            </a:pPr>
+            <a:r>
+              <a:rPr lang="en-US" b="0" dirty="0"/>
+              <a:t>Detecting and removing outliers, </a:t>
+            </a:r>
+            <a:r>
+              <a:rPr lang="en-US" dirty="0"/>
+              <a:t>which could otherwise distort analysis and modeling.</a:t>
+            </a:r>
+          </a:p>
+          <a:p>
+            <a:pPr>
+              <a:buFont typeface="Arial" panose="020B0604020202020204" pitchFamily="34" charset="0"/>
+              <a:buNone/>
+            </a:pPr>
+            <a:endParaRPr lang="en-US" dirty="0"/>
+          </a:p>
+          <a:p>
+            <a:r>
+              <a:rPr lang="en-US" b="1" dirty="0"/>
+              <a:t>Storing Clean Data:</a:t>
+            </a:r>
+            <a:endParaRPr lang="en-US" dirty="0"/>
+          </a:p>
+          <a:p>
+            <a:pPr>
+              <a:buFont typeface="Arial" panose="020B0604020202020204" pitchFamily="34" charset="0"/>
+              <a:buChar char="•"/>
+            </a:pPr>
+            <a:r>
+              <a:rPr lang="en-US" dirty="0"/>
+              <a:t>After transformation, the cleaned data is stored in a </a:t>
+            </a:r>
+            <a:r>
+              <a:rPr lang="en-US" b="0" dirty="0"/>
+              <a:t>new schema </a:t>
+            </a:r>
+            <a:r>
+              <a:rPr lang="en-US" dirty="0"/>
+              <a:t>within the database.</a:t>
+            </a:r>
+          </a:p>
+          <a:p>
             <a:endParaRPr lang="en-IN" dirty="0"/>
           </a:p>
         </p:txBody>
@@ -604,61 +859,145 @@
           <a:bodyPr/>
           <a:lstStyle/>
           <a:p>
-            <a:pPr marL="0" marR="0" lvl="0" indent="0" algn="l" defTabSz="914400" rtl="0" eaLnBrk="1" fontAlgn="auto" latinLnBrk="0" hangingPunct="1">
-              <a:lnSpc>
-                <a:spcPct val="100000"/>
-              </a:lnSpc>
-              <a:spcBef>
-                <a:spcPts val="0"/>
-              </a:spcBef>
-              <a:spcAft>
-                <a:spcPts val="0"/>
-              </a:spcAft>
-              <a:buClrTx/>
-              <a:buSzTx/>
-              <a:buFontTx/>
-              <a:buNone/>
-              <a:tabLst/>
-              <a:defRPr/>
+            <a:r>
+              <a:rPr lang="en-US" b="1" dirty="0"/>
+              <a:t>Pipeline Selection</a:t>
+            </a:r>
+          </a:p>
+          <a:p>
+            <a:pPr>
+              <a:buFont typeface="Arial" panose="020B0604020202020204" pitchFamily="34" charset="0"/>
+              <a:buChar char="•"/>
             </a:pPr>
             <a:r>
+              <a:rPr lang="en-US" dirty="0"/>
+              <a:t>For this data processing workflow, we have chosen a </a:t>
+            </a:r>
+            <a:r>
+              <a:rPr lang="en-US" b="0" dirty="0"/>
+              <a:t>Batch Processing Pipeline </a:t>
+            </a:r>
+            <a:r>
+              <a:rPr lang="en-US" dirty="0"/>
+              <a:t>instead of a real-time streaming pipeline.</a:t>
+            </a:r>
+          </a:p>
+          <a:p>
+            <a:pPr>
+              <a:buFont typeface="Arial" panose="020B0604020202020204" pitchFamily="34" charset="0"/>
+              <a:buChar char="•"/>
+            </a:pPr>
+            <a:r>
+              <a:rPr lang="en-US" b="1" dirty="0"/>
+              <a:t>Why Batch Processing</a:t>
+            </a:r>
+            <a:endParaRPr lang="en-US" dirty="0"/>
+          </a:p>
+          <a:p>
+            <a:pPr marL="742950" lvl="1" indent="-285750">
+              <a:buFont typeface="Arial" panose="020B0604020202020204" pitchFamily="34" charset="0"/>
+              <a:buChar char="•"/>
+            </a:pPr>
+            <a:r>
+              <a:rPr lang="en-US" dirty="0"/>
+              <a:t>Batch processing enables </a:t>
+            </a:r>
+            <a:r>
+              <a:rPr lang="en-US" b="0" dirty="0"/>
+              <a:t>structured data transformation, cleaning, and feature engineering </a:t>
+            </a:r>
+            <a:r>
+              <a:rPr lang="en-US" dirty="0"/>
+              <a:t>in a controlled manner.</a:t>
+            </a:r>
+          </a:p>
+          <a:p>
+            <a:pPr marL="742950" lvl="1" indent="-285750">
+              <a:buFont typeface="Arial" panose="020B0604020202020204" pitchFamily="34" charset="0"/>
+              <a:buChar char="•"/>
+            </a:pPr>
+            <a:r>
+              <a:rPr lang="en-US" dirty="0"/>
+              <a:t>This approach ensures </a:t>
+            </a:r>
+            <a:r>
+              <a:rPr lang="en-US" b="0" dirty="0"/>
+              <a:t>data consistency and quality checks </a:t>
+            </a:r>
+            <a:r>
+              <a:rPr lang="en-US" dirty="0"/>
+              <a:t>before ingestion into storage, reducing errors and improving reliability.</a:t>
+            </a:r>
+          </a:p>
+          <a:p>
+            <a:r>
+              <a:rPr lang="en-IN" b="1" dirty="0"/>
+              <a:t>2. Data Storage Format Selection</a:t>
+            </a:r>
+          </a:p>
+          <a:p>
+            <a:pPr>
+              <a:buFont typeface="Arial" panose="020B0604020202020204" pitchFamily="34" charset="0"/>
+              <a:buChar char="•"/>
+            </a:pPr>
+            <a:r>
               <a:rPr lang="en-IN" dirty="0"/>
-              <a:t>In this slide we can see first selected pipeline as batch pipeline</a:t>
-            </a:r>
-            <a:r>
-              <a:rPr lang="en-US" dirty="0"/>
-              <a:t> type for this project  because our dataset is not continuously updating. The batch approach allows us to perform data extraction, transformation. This is particularly useful when dealing with structured datasets, where we need to perform feature engineering, handle missing values, and ensure data quality before storage.</a:t>
-            </a:r>
-          </a:p>
-          <a:p>
-            <a:pPr marL="0" marR="0" lvl="0" indent="0" algn="l" defTabSz="914400" rtl="0" eaLnBrk="1" fontAlgn="auto" latinLnBrk="0" hangingPunct="1">
-              <a:lnSpc>
-                <a:spcPct val="100000"/>
-              </a:lnSpc>
-              <a:spcBef>
-                <a:spcPts val="0"/>
-              </a:spcBef>
-              <a:spcAft>
-                <a:spcPts val="0"/>
-              </a:spcAft>
-              <a:buClrTx/>
-              <a:buSzTx/>
-              <a:buFontTx/>
-              <a:buNone/>
-              <a:tabLst/>
-              <a:defRPr/>
+              <a:t>The selected data storage format is</a:t>
+            </a:r>
+            <a:r>
+              <a:rPr lang="en-IN" b="0" dirty="0"/>
+              <a:t> Parquet</a:t>
+            </a:r>
+            <a:r>
+              <a:rPr lang="en-IN" dirty="0"/>
+              <a:t>, a widely used columnar storage format.</a:t>
+            </a:r>
+          </a:p>
+          <a:p>
+            <a:pPr>
+              <a:buFont typeface="Arial" panose="020B0604020202020204" pitchFamily="34" charset="0"/>
+              <a:buChar char="•"/>
             </a:pPr>
             <a:r>
-              <a:rPr lang="en-US" dirty="0"/>
-              <a:t>For storing the processed data I have selected </a:t>
-            </a:r>
-            <a:r>
-              <a:rPr lang="en-US" b="0" dirty="0"/>
-              <a:t>Parquet</a:t>
-            </a:r>
-            <a:r>
-              <a:rPr lang="en-US" dirty="0"/>
-              <a:t> as the preferred format. Parquet is a columnar storage format that is highly efficient for analytical queries, making it well-suited for machine learning and data analysis tasks.</a:t>
+              <a:rPr lang="en-IN" b="1" dirty="0"/>
+              <a:t>Why Parquet?</a:t>
+            </a:r>
+            <a:endParaRPr lang="en-IN" dirty="0"/>
+          </a:p>
+          <a:p>
+            <a:pPr marL="742950" lvl="1" indent="-285750">
+              <a:buFont typeface="Arial" panose="020B0604020202020204" pitchFamily="34" charset="0"/>
+              <a:buChar char="•"/>
+            </a:pPr>
+            <a:r>
+              <a:rPr lang="en-IN" b="0" dirty="0"/>
+              <a:t>Optimized for Analytical Queries: </a:t>
+            </a:r>
+            <a:r>
+              <a:rPr lang="en-IN" dirty="0"/>
+              <a:t>Since it stores data in a </a:t>
+            </a:r>
+            <a:r>
+              <a:rPr lang="en-IN" b="0" dirty="0"/>
+              <a:t>columnar format, </a:t>
+            </a:r>
+            <a:r>
+              <a:rPr lang="en-IN" dirty="0"/>
+              <a:t>it improves performance for analytical workloads.</a:t>
+            </a:r>
+          </a:p>
+          <a:p>
+            <a:pPr marL="742950" lvl="1" indent="-285750">
+              <a:buFont typeface="Arial" panose="020B0604020202020204" pitchFamily="34" charset="0"/>
+              <a:buChar char="•"/>
+            </a:pPr>
+            <a:r>
+              <a:rPr lang="en-IN" b="0" dirty="0"/>
+              <a:t>Efficient Compression: </a:t>
+            </a:r>
+            <a:r>
+              <a:rPr lang="en-IN" dirty="0"/>
+              <a:t>Parquet applies advanced compression techniques, reducing storage space and improving read performance.</a:t>
             </a:r>
           </a:p>
           <a:p>
@@ -680,29 +1019,6 @@
               <a:defRPr/>
             </a:pPr>
             <a:endParaRPr lang="en-US" dirty="0"/>
-          </a:p>
-          <a:p>
-            <a:pPr marL="0" marR="0" lvl="0" indent="0" algn="l" defTabSz="914400" rtl="0" eaLnBrk="1" fontAlgn="auto" latinLnBrk="0" hangingPunct="1">
-              <a:lnSpc>
-                <a:spcPct val="100000"/>
-              </a:lnSpc>
-              <a:spcBef>
-                <a:spcPts val="0"/>
-              </a:spcBef>
-              <a:spcAft>
-                <a:spcPts val="0"/>
-              </a:spcAft>
-              <a:buClrTx/>
-              <a:buSzTx/>
-              <a:buFontTx/>
-              <a:buNone/>
-              <a:tabLst/>
-              <a:defRPr/>
-            </a:pPr>
-            <a:endParaRPr lang="en-US" dirty="0"/>
-          </a:p>
-          <a:p>
-            <a:endParaRPr lang="en-IN" dirty="0"/>
           </a:p>
         </p:txBody>
       </p:sp>
@@ -787,8 +1103,146 @@
           <a:lstStyle/>
           <a:p>
             <a:r>
+              <a:rPr lang="en-US" b="1" dirty="0"/>
+              <a:t>Overview of the Pipeline</a:t>
+            </a:r>
+          </a:p>
+          <a:p>
+            <a:r>
+              <a:rPr lang="en-US" b="1" dirty="0"/>
+              <a:t>1. Data Source: PostgreSQL (</a:t>
+            </a:r>
+            <a:r>
+              <a:rPr lang="en-US" b="1" dirty="0" err="1"/>
+              <a:t>raw.iris_data</a:t>
+            </a:r>
+            <a:r>
+              <a:rPr lang="en-US" b="1" dirty="0"/>
+              <a:t>)</a:t>
+            </a:r>
+          </a:p>
+          <a:p>
+            <a:r>
               <a:rPr lang="en-US" dirty="0"/>
-              <a:t>This diagram gives the clear idea of batch data pipeline. I first retrieve data from the database, cleaning, checking missing values, duplicates removal, outlier detection, feature engineering and store it back in a structured format.</a:t>
+              <a:t>The pipeline starts with PostgreSQL, where the raw dataset (</a:t>
+            </a:r>
+            <a:r>
+              <a:rPr lang="en-US" dirty="0" err="1"/>
+              <a:t>raw.iris_data</a:t>
+            </a:r>
+            <a:r>
+              <a:rPr lang="en-US" dirty="0"/>
+              <a:t>) is stored.</a:t>
+            </a:r>
+          </a:p>
+          <a:p>
+            <a:r>
+              <a:rPr lang="en-US" dirty="0"/>
+              <a:t>At this point, the data can have missing values, duplicates, and outliers and needs preprocessing for analysis.</a:t>
+            </a:r>
+          </a:p>
+          <a:p>
+            <a:r>
+              <a:rPr lang="en-US" b="1" dirty="0"/>
+              <a:t>2. Data Cleaning Steps</a:t>
+            </a:r>
+          </a:p>
+          <a:p>
+            <a:r>
+              <a:rPr lang="en-US" dirty="0"/>
+              <a:t>Raw data extracted goes through necessary cleaning activities to enhance data quality</a:t>
+            </a:r>
+          </a:p>
+          <a:p>
+            <a:r>
+              <a:rPr lang="en-US" dirty="0"/>
+              <a:t>Missing Values Check: It detects and processes incomplete records. Missing values can be imputed (filled) or deleted based on severity.</a:t>
+            </a:r>
+          </a:p>
+          <a:p>
+            <a:r>
+              <a:rPr lang="en-US" dirty="0"/>
+              <a:t>Duplicate Removal: It makes sure there are no duplicate records that could mislead analysis.</a:t>
+            </a:r>
+          </a:p>
+          <a:p>
+            <a:r>
+              <a:rPr lang="en-US" dirty="0"/>
+              <a:t>Outlier Handling: Detects and removes anomalies that can affect modeling accuracy.</a:t>
+            </a:r>
+          </a:p>
+          <a:p>
+            <a:r>
+              <a:rPr lang="en-US" b="1" dirty="0"/>
+              <a:t>3. Feature Engineering</a:t>
+            </a:r>
+          </a:p>
+          <a:p>
+            <a:r>
+              <a:rPr lang="en-US" dirty="0"/>
+              <a:t>After cleaning, feature engineering is next, where new variables or transformed features are created to improve model performance.</a:t>
+            </a:r>
+          </a:p>
+          <a:p>
+            <a:r>
+              <a:rPr lang="en-US" dirty="0"/>
+              <a:t>Examples:</a:t>
+            </a:r>
+          </a:p>
+          <a:p>
+            <a:r>
+              <a:rPr lang="en-US" dirty="0"/>
+              <a:t>Creating new calculated fields (e.g., petal-to-sepal ratio).</a:t>
+            </a:r>
+          </a:p>
+          <a:p>
+            <a:r>
+              <a:rPr lang="en-US" dirty="0"/>
+              <a:t>Encoding categorical variables for better processing.</a:t>
+            </a:r>
+          </a:p>
+          <a:p>
+            <a:r>
+              <a:rPr lang="en-US" dirty="0"/>
+              <a:t>Normalizing or scaling numeric values for machine learning models.</a:t>
+            </a:r>
+          </a:p>
+          <a:p>
+            <a:r>
+              <a:rPr lang="en-US" b="1" dirty="0"/>
+              <a:t>4. Storing Cleaned Data: PostgreSQL (</a:t>
+            </a:r>
+            <a:r>
+              <a:rPr lang="en-US" b="1" dirty="0" err="1"/>
+              <a:t>cleaned.iris_data</a:t>
+            </a:r>
+            <a:r>
+              <a:rPr lang="en-US" b="1" dirty="0"/>
+              <a:t>)</a:t>
+            </a:r>
+          </a:p>
+          <a:p>
+            <a:r>
+              <a:rPr lang="en-US" dirty="0"/>
+              <a:t>Once transformed, the cleaned dataset is stored once more in PostgreSQL with a new schema/table named (</a:t>
+            </a:r>
+            <a:r>
+              <a:rPr lang="en-US" dirty="0" err="1"/>
+              <a:t>cleaned.iris_data</a:t>
+            </a:r>
+            <a:r>
+              <a:rPr lang="en-US" dirty="0"/>
+              <a:t>). It is best to keep the raw and cleaned datasets separated for data tracking and comparison if needed. </a:t>
+            </a:r>
+          </a:p>
+          <a:p>
+            <a:r>
+              <a:rPr lang="en-US" b="1" dirty="0"/>
+              <a:t>5. Next Steps: </a:t>
+            </a:r>
+            <a:r>
+              <a:rPr lang="en-US" dirty="0"/>
+              <a:t>Utilizing the Data The cleaned dataset is now ready to use for analysis, visualization, and machine learning modeling. If required, it can also be inserted into a batch or real-time processing system for automation.</a:t>
             </a:r>
             <a:endParaRPr lang="en-IN" dirty="0"/>
           </a:p>
@@ -875,8 +1329,112 @@
           <a:lstStyle/>
           <a:p>
             <a:r>
+              <a:rPr lang="en-US" b="1" dirty="0"/>
+              <a:t>1. Handling Missing Values</a:t>
+            </a:r>
+          </a:p>
+          <a:p>
+            <a:r>
               <a:rPr lang="en-US" dirty="0"/>
-              <a:t>Data quality issues were used for checking for missing values, duplicate entries, and outliers. While no missing values were found initially but after feature engineering I found missing values and cleared it, duplicates were removed, and outliers were handled using statistical technique like IQR method.</a:t>
+              <a:t>I first looked for missing values in the data.</a:t>
+            </a:r>
+          </a:p>
+          <a:p>
+            <a:r>
+              <a:rPr lang="en-US" dirty="0"/>
+              <a:t>Missing values can result from incomplete data capture, system glitches, or manual entry errors.</a:t>
+            </a:r>
+          </a:p>
+          <a:p>
+            <a:r>
+              <a:rPr lang="en-US" b="1" dirty="0"/>
+              <a:t>2. Removing Duplicates</a:t>
+            </a:r>
+          </a:p>
+          <a:p>
+            <a:r>
+              <a:rPr lang="en-US" dirty="0"/>
+              <a:t>Duplicate records may occur due to data merging, system issues, or human error. Duplicates will distort analysis and produce incorrect conclusions. Solution: We identify and eliminate duplicates by utilizing the </a:t>
+            </a:r>
+            <a:r>
+              <a:rPr lang="en-US" dirty="0" err="1"/>
+              <a:t>drop_duplicates</a:t>
+            </a:r>
+            <a:r>
+              <a:rPr lang="en-US" dirty="0"/>
+              <a:t>() function from pandas to ensure that every record is unique. </a:t>
+            </a:r>
+          </a:p>
+          <a:p>
+            <a:r>
+              <a:rPr lang="en-US" b="1" dirty="0"/>
+              <a:t>3. Outlier Detection and Removal </a:t>
+            </a:r>
+          </a:p>
+          <a:p>
+            <a:r>
+              <a:rPr lang="en-US" dirty="0"/>
+              <a:t>Outliers are data points that are significantly different from the others. If not addressed, they will alter statistical analysis and machine learning algorithms. Solution:</a:t>
+            </a:r>
+          </a:p>
+          <a:p>
+            <a:r>
+              <a:rPr lang="en-US" dirty="0"/>
+              <a:t>We implement the Interquartile Range (IQR) method for outlier detection and removal.</a:t>
+            </a:r>
+          </a:p>
+          <a:p>
+            <a:r>
+              <a:rPr lang="en-US" b="1" dirty="0"/>
+              <a:t>4. Transforming Categorical Variables into Numerical Format</a:t>
+            </a:r>
+          </a:p>
+          <a:p>
+            <a:r>
+              <a:rPr lang="en-US" dirty="0"/>
+              <a:t>Machine learning algorithms generally expect numerical input, and thus categorical variables have to be transformed.</a:t>
+            </a:r>
+          </a:p>
+          <a:p>
+            <a:r>
+              <a:rPr lang="en-US" b="1" dirty="0"/>
+              <a:t>5. Feature Engineering</a:t>
+            </a:r>
+          </a:p>
+          <a:p>
+            <a:r>
+              <a:rPr lang="en-US" dirty="0"/>
+              <a:t>Feature engineering is creating new variables to improve the performance of models.</a:t>
+            </a:r>
+          </a:p>
+          <a:p>
+            <a:r>
+              <a:rPr lang="en-US" dirty="0"/>
+              <a:t>Example:</a:t>
+            </a:r>
+          </a:p>
+          <a:p>
+            <a:r>
+              <a:rPr lang="en-US" dirty="0"/>
+              <a:t>If we have a dataset with height and weight, we can create a new feature BMI (Body Mass Index) as:</a:t>
+            </a:r>
+          </a:p>
+          <a:p>
+            <a:r>
+              <a:rPr lang="en-US" dirty="0"/>
+              <a:t>This helps in getting more meaningful information from the data.</a:t>
+            </a:r>
+          </a:p>
+          <a:p>
+            <a:r>
+              <a:rPr lang="en-US" b="1" dirty="0"/>
+              <a:t>6. Feature Scaling (Normalization/Standardization)</a:t>
+            </a:r>
+          </a:p>
+          <a:p>
+            <a:r>
+              <a:rPr lang="en-US" dirty="0"/>
+              <a:t>Feature scaling puts numerical features on the same scale, which enhances model performance.</a:t>
             </a:r>
             <a:endParaRPr lang="en-IN" dirty="0"/>
           </a:p>
@@ -962,29 +1520,72 @@
           <a:bodyPr/>
           <a:lstStyle/>
           <a:p>
-            <a:pPr marL="0" marR="0" lvl="0" indent="0" algn="l" defTabSz="914400" rtl="0" eaLnBrk="1" fontAlgn="auto" latinLnBrk="0" hangingPunct="1">
-              <a:lnSpc>
-                <a:spcPct val="100000"/>
-              </a:lnSpc>
-              <a:spcBef>
-                <a:spcPts val="0"/>
-              </a:spcBef>
-              <a:spcAft>
-                <a:spcPts val="0"/>
-              </a:spcAft>
-              <a:buClrTx/>
-              <a:buSzTx/>
-              <a:buFontTx/>
-              <a:buNone/>
-              <a:tabLst/>
-              <a:defRPr/>
-            </a:pPr>
+            <a:r>
+              <a:rPr lang="en-US" b="1" dirty="0"/>
+              <a:t>1. Missing Value Checking</a:t>
+            </a:r>
+          </a:p>
+          <a:p>
             <a:r>
               <a:rPr lang="en-US" dirty="0"/>
-              <a:t>To ensure high data quality, I implemented validation checks. We used statistical method like IQR method to detect outliers and confirmed data consistency using visualization techniques.</a:t>
-            </a:r>
-          </a:p>
-          <a:p>
+              <a:t>Why check for missing values?</a:t>
+            </a:r>
+          </a:p>
+          <a:p>
+            <a:r>
+              <a:rPr lang="en-US" dirty="0"/>
+              <a:t>Missing data can cause biased conclusions and affect the performance of machine learning models.</a:t>
+            </a:r>
+          </a:p>
+          <a:p>
+            <a:r>
+              <a:rPr lang="en-US" dirty="0"/>
+              <a:t>How do we check for missing values?</a:t>
+            </a:r>
+          </a:p>
+          <a:p>
+            <a:r>
+              <a:rPr lang="en-US" dirty="0"/>
+              <a:t>We utilize the </a:t>
+            </a:r>
+            <a:r>
+              <a:rPr lang="en-US" dirty="0" err="1"/>
+              <a:t>isnull</a:t>
+            </a:r>
+            <a:r>
+              <a:rPr lang="en-US" dirty="0"/>
+              <a:t>().sum() pandas function to check the count of missing values in every column.</a:t>
+            </a:r>
+          </a:p>
+          <a:p>
+            <a:r>
+              <a:rPr lang="en-US" b="1" dirty="0"/>
+              <a:t>2. Finding Duplicate Values</a:t>
+            </a:r>
+          </a:p>
+          <a:p>
+            <a:r>
+              <a:rPr lang="en-US" dirty="0"/>
+              <a:t>Why check for duplicates?</a:t>
+            </a:r>
+          </a:p>
+          <a:p>
+            <a:r>
+              <a:rPr lang="en-US" dirty="0"/>
+              <a:t>Duplicate records can result in data redundancy, miscalculation, and biased results.</a:t>
+            </a:r>
+          </a:p>
+          <a:p>
+            <a:r>
+              <a:rPr lang="en-US" dirty="0"/>
+              <a:t>How do we find duplicates?</a:t>
+            </a:r>
+          </a:p>
+          <a:p>
+            <a:r>
+              <a:rPr lang="en-US" dirty="0"/>
+              <a:t>We utilize duplicated().sum() in pandas to find duplicate entries in the data.</a:t>
+            </a:r>
             <a:endParaRPr lang="en-IN" dirty="0"/>
           </a:p>
         </p:txBody>
@@ -1070,8 +1671,68 @@
           <a:lstStyle/>
           <a:p>
             <a:r>
+              <a:rPr lang="en-US" b="1" dirty="0"/>
+              <a:t>1. Monitoring Statistical Distributions</a:t>
+            </a:r>
+          </a:p>
+          <a:p>
+            <a:r>
               <a:rPr lang="en-US" dirty="0"/>
-              <a:t>With changing time, data distributions may change due to different sources or real-world shifts. Monitoring statistical properties ensures that the model receives consistent inputs means the received data is in same format as existing data format. Schema validation helps detect unexpected changes in data format.</a:t>
+              <a:t>Monitor important statistics such as mean, variance, and distribution changes in data on a regular basis.</a:t>
+            </a:r>
+          </a:p>
+          <a:p>
+            <a:r>
+              <a:rPr lang="en-US" dirty="0"/>
+              <a:t>Abnormal changes can signal data drift, which can affect model predictions.</a:t>
+            </a:r>
+          </a:p>
+          <a:p>
+            <a:r>
+              <a:rPr lang="en-US" dirty="0"/>
+              <a:t>Visualization (e.g., histograms, box plots) are used to monitor the changes.</a:t>
+            </a:r>
+          </a:p>
+          <a:p>
+            <a:r>
+              <a:rPr lang="en-US" b="1" dirty="0"/>
+              <a:t>2. Detecting Significant Deviations</a:t>
+            </a:r>
+          </a:p>
+          <a:p>
+            <a:r>
+              <a:rPr lang="en-US" dirty="0"/>
+              <a:t>Establish acceptable deviation thresholds.</a:t>
+            </a:r>
+          </a:p>
+          <a:p>
+            <a:r>
+              <a:rPr lang="en-US" dirty="0"/>
+              <a:t>Create automatic alerts to inform when data moves away from expected trends.</a:t>
+            </a:r>
+          </a:p>
+          <a:p>
+            <a:r>
+              <a:rPr lang="en-US" b="1" dirty="0"/>
+              <a:t>3. Schema Validation</a:t>
+            </a:r>
+          </a:p>
+          <a:p>
+            <a:r>
+              <a:rPr lang="en-US" dirty="0"/>
+              <a:t>Validate incoming data against the expected structure, types, and constraints prior to processing.</a:t>
+            </a:r>
+          </a:p>
+          <a:p>
+            <a:r>
+              <a:rPr lang="en-US" dirty="0"/>
+              <a:t>Utilize schema validation tools to implement automated checks.</a:t>
+            </a:r>
+          </a:p>
+          <a:p>
+            <a:r>
+              <a:rPr lang="en-US" dirty="0"/>
+              <a:t>Prevents problems such as missing fields, datatype mismatches, or unexpected column alterations.</a:t>
             </a:r>
             <a:endParaRPr lang="en-IN" dirty="0"/>
           </a:p>
@@ -1159,12 +1820,13 @@
           <a:p>
             <a:r>
               <a:rPr lang="en-IN" dirty="0"/>
-              <a:t>This is the screen shot storing the data in </a:t>
+              <a:t>This is the screen shot storing the data in cleaned schema. It is done with all the pipelining steps like cleaning the data outliers handling </a:t>
             </a:r>
             <a:r>
               <a:rPr lang="en-IN"/>
-              <a:t>cleaned schema.</a:t>
-            </a:r>
+              <a:t>duplicates removal.</a:t>
+            </a:r>
+            <a:endParaRPr lang="en-IN" dirty="0"/>
           </a:p>
         </p:txBody>
       </p:sp>
@@ -1448,7 +2110,7 @@
           <a:p>
             <a:fld id="{9184DA70-C731-4C70-880D-CCD4705E623C}" type="datetime1">
               <a:rPr lang="en-US" smtClean="0"/>
-              <a:t>2/2/2025</a:t>
+              <a:t>2/9/2025</a:t>
             </a:fld>
             <a:endParaRPr lang="en-US" dirty="0"/>
           </a:p>
@@ -1636,7 +2298,7 @@
           <a:p>
             <a:fld id="{B612A279-0833-481D-8C56-F67FD0AC6C50}" type="datetime1">
               <a:rPr lang="en-US" smtClean="0"/>
-              <a:t>2/2/2025</a:t>
+              <a:t>2/9/2025</a:t>
             </a:fld>
             <a:endParaRPr lang="en-US" dirty="0"/>
           </a:p>
@@ -1878,7 +2540,7 @@
           <a:p>
             <a:fld id="{6587DA83-5663-4C9C-B9AA-0B40A3DAFF81}" type="datetime1">
               <a:rPr lang="en-US" smtClean="0"/>
-              <a:t>2/2/2025</a:t>
+              <a:t>2/9/2025</a:t>
             </a:fld>
             <a:endParaRPr lang="en-US" dirty="0"/>
           </a:p>
@@ -2066,7 +2728,7 @@
           <a:p>
             <a:fld id="{4BE1D723-8F53-4F53-90B0-1982A396982E}" type="datetime1">
               <a:rPr lang="en-US" smtClean="0"/>
-              <a:t>2/2/2025</a:t>
+              <a:t>2/9/2025</a:t>
             </a:fld>
             <a:endParaRPr lang="en-US" dirty="0"/>
           </a:p>
@@ -2439,7 +3101,7 @@
           <a:p>
             <a:fld id="{97669AF7-7BEB-44E4-9852-375E34362B5B}" type="datetime1">
               <a:rPr lang="en-US" smtClean="0"/>
-              <a:t>2/2/2025</a:t>
+              <a:t>2/9/2025</a:t>
             </a:fld>
             <a:endParaRPr lang="en-US" dirty="0"/>
           </a:p>
@@ -2694,7 +3356,7 @@
           <a:p>
             <a:fld id="{BAAAC38D-0552-4C82-B593-E6124DFADBE2}" type="datetime1">
               <a:rPr lang="en-US" smtClean="0"/>
-              <a:t>2/2/2025</a:t>
+              <a:t>2/9/2025</a:t>
             </a:fld>
             <a:endParaRPr lang="en-US" dirty="0"/>
           </a:p>
@@ -3091,7 +3753,7 @@
           <a:p>
             <a:fld id="{D9DF0F1C-5577-4ACB-BB62-DF8F3C494C7E}" type="datetime1">
               <a:rPr lang="en-US" smtClean="0"/>
-              <a:t>2/2/2025</a:t>
+              <a:t>2/9/2025</a:t>
             </a:fld>
             <a:endParaRPr lang="en-US" dirty="0"/>
           </a:p>
@@ -3227,7 +3889,7 @@
           <a:p>
             <a:fld id="{1775B394-D9F9-4F0C-B15D-605F45CB9E9F}" type="datetime1">
               <a:rPr lang="en-US" smtClean="0"/>
-              <a:t>2/2/2025</a:t>
+              <a:t>2/9/2025</a:t>
             </a:fld>
             <a:endParaRPr lang="en-US" dirty="0"/>
           </a:p>
@@ -3384,7 +4046,7 @@
           <a:p>
             <a:fld id="{39667345-2558-425A-8533-9BFDBCE15005}" type="datetime1">
               <a:rPr lang="en-US" smtClean="0"/>
-              <a:t>2/2/2025</a:t>
+              <a:t>2/9/2025</a:t>
             </a:fld>
             <a:endParaRPr lang="en-US" dirty="0"/>
           </a:p>
@@ -3713,7 +4375,7 @@
           <a:p>
             <a:fld id="{92BEA474-078D-4E9B-9B14-09A87B19DC46}" type="datetime1">
               <a:rPr lang="en-US" smtClean="0"/>
-              <a:t>2/2/2025</a:t>
+              <a:t>2/9/2025</a:t>
             </a:fld>
             <a:endParaRPr lang="en-US" dirty="0"/>
           </a:p>
@@ -4063,7 +4725,7 @@
           <a:p>
             <a:fld id="{4907D986-8816-4272-A432-0437A28A9828}" type="datetime1">
               <a:rPr lang="en-US" smtClean="0"/>
-              <a:t>2/2/2025</a:t>
+              <a:t>2/9/2025</a:t>
             </a:fld>
             <a:endParaRPr lang="en-US" dirty="0"/>
           </a:p>
@@ -4324,7 +4986,7 @@
           <a:p>
             <a:fld id="{62D6E202-B606-4609-B914-27C9371A1F6D}" type="datetime1">
               <a:rPr lang="en-US" smtClean="0"/>
-              <a:t>2/2/2025</a:t>
+              <a:t>2/9/2025</a:t>
             </a:fld>
             <a:endParaRPr lang="en-US" dirty="0"/>
           </a:p>
@@ -5298,42 +5960,6 @@
       </p:sp>
       <p:sp>
         <p:nvSpPr>
-          <p:cNvPr id="3" name="Subtitle 2">
-            <a:extLst>
-              <a:ext uri="{FF2B5EF4-FFF2-40B4-BE49-F238E27FC236}">
-                <a16:creationId xmlns:a16="http://schemas.microsoft.com/office/drawing/2014/main" id="{255E1F2F-E259-4EA8-9FFD-3A10AF541859}"/>
-              </a:ext>
-            </a:extLst>
-          </p:cNvPr>
-          <p:cNvSpPr>
-            <a:spLocks noGrp="1"/>
-          </p:cNvSpPr>
-          <p:nvPr>
-            <p:ph type="subTitle" idx="1"/>
-          </p:nvPr>
-        </p:nvSpPr>
-        <p:spPr>
-          <a:xfrm>
-            <a:off x="1100051" y="5225240"/>
-            <a:ext cx="10058400" cy="1143000"/>
-          </a:xfrm>
-        </p:spPr>
-        <p:txBody>
-          <a:bodyPr>
-            <a:normAutofit/>
-          </a:bodyPr>
-          <a:lstStyle/>
-          <a:p>
-            <a:endParaRPr lang="en-US" dirty="0">
-              <a:solidFill>
-                <a:srgbClr val="FFFFFF"/>
-              </a:solidFill>
-            </a:endParaRPr>
-          </a:p>
-        </p:txBody>
-      </p:sp>
-      <p:sp>
-        <p:nvSpPr>
           <p:cNvPr id="8" name="Title 7">
             <a:extLst>
               <a:ext uri="{FF2B5EF4-FFF2-40B4-BE49-F238E27FC236}">
@@ -5691,42 +6317,6 @@
       </p:sp>
       <p:sp>
         <p:nvSpPr>
-          <p:cNvPr id="3" name="Subtitle 2">
-            <a:extLst>
-              <a:ext uri="{FF2B5EF4-FFF2-40B4-BE49-F238E27FC236}">
-                <a16:creationId xmlns:a16="http://schemas.microsoft.com/office/drawing/2014/main" id="{93185F83-7C15-961E-8667-DD1F939684BF}"/>
-              </a:ext>
-            </a:extLst>
-          </p:cNvPr>
-          <p:cNvSpPr>
-            <a:spLocks noGrp="1"/>
-          </p:cNvSpPr>
-          <p:nvPr>
-            <p:ph type="subTitle" idx="1"/>
-          </p:nvPr>
-        </p:nvSpPr>
-        <p:spPr>
-          <a:xfrm>
-            <a:off x="1100051" y="5225240"/>
-            <a:ext cx="10058400" cy="1143000"/>
-          </a:xfrm>
-        </p:spPr>
-        <p:txBody>
-          <a:bodyPr>
-            <a:normAutofit/>
-          </a:bodyPr>
-          <a:lstStyle/>
-          <a:p>
-            <a:endParaRPr lang="en-US" dirty="0">
-              <a:solidFill>
-                <a:srgbClr val="FFFFFF"/>
-              </a:solidFill>
-            </a:endParaRPr>
-          </a:p>
-        </p:txBody>
-      </p:sp>
-      <p:sp>
-        <p:nvSpPr>
           <p:cNvPr id="8" name="Title 7">
             <a:extLst>
               <a:ext uri="{FF2B5EF4-FFF2-40B4-BE49-F238E27FC236}">
@@ -6140,42 +6730,6 @@
       </p:sp>
       <p:sp>
         <p:nvSpPr>
-          <p:cNvPr id="3" name="Subtitle 2">
-            <a:extLst>
-              <a:ext uri="{FF2B5EF4-FFF2-40B4-BE49-F238E27FC236}">
-                <a16:creationId xmlns:a16="http://schemas.microsoft.com/office/drawing/2014/main" id="{AD8001B4-75D4-CBF0-CC62-AB876F24F0D7}"/>
-              </a:ext>
-            </a:extLst>
-          </p:cNvPr>
-          <p:cNvSpPr>
-            <a:spLocks noGrp="1"/>
-          </p:cNvSpPr>
-          <p:nvPr>
-            <p:ph type="subTitle" idx="1"/>
-          </p:nvPr>
-        </p:nvSpPr>
-        <p:spPr>
-          <a:xfrm>
-            <a:off x="1100051" y="5225240"/>
-            <a:ext cx="10058400" cy="1143000"/>
-          </a:xfrm>
-        </p:spPr>
-        <p:txBody>
-          <a:bodyPr>
-            <a:normAutofit/>
-          </a:bodyPr>
-          <a:lstStyle/>
-          <a:p>
-            <a:endParaRPr lang="en-US" dirty="0">
-              <a:solidFill>
-                <a:srgbClr val="FFFFFF"/>
-              </a:solidFill>
-            </a:endParaRPr>
-          </a:p>
-        </p:txBody>
-      </p:sp>
-      <p:sp>
-        <p:nvSpPr>
           <p:cNvPr id="8" name="Title 7">
             <a:extLst>
               <a:ext uri="{FF2B5EF4-FFF2-40B4-BE49-F238E27FC236}">
@@ -6633,42 +7187,6 @@
       </p:sp>
       <p:sp>
         <p:nvSpPr>
-          <p:cNvPr id="3" name="Subtitle 2">
-            <a:extLst>
-              <a:ext uri="{FF2B5EF4-FFF2-40B4-BE49-F238E27FC236}">
-                <a16:creationId xmlns:a16="http://schemas.microsoft.com/office/drawing/2014/main" id="{F3524C43-D1E6-21C1-E56A-FCA4E249B29F}"/>
-              </a:ext>
-            </a:extLst>
-          </p:cNvPr>
-          <p:cNvSpPr>
-            <a:spLocks noGrp="1"/>
-          </p:cNvSpPr>
-          <p:nvPr>
-            <p:ph type="subTitle" idx="1"/>
-          </p:nvPr>
-        </p:nvSpPr>
-        <p:spPr>
-          <a:xfrm>
-            <a:off x="1100051" y="5225240"/>
-            <a:ext cx="10058400" cy="1143000"/>
-          </a:xfrm>
-        </p:spPr>
-        <p:txBody>
-          <a:bodyPr>
-            <a:normAutofit/>
-          </a:bodyPr>
-          <a:lstStyle/>
-          <a:p>
-            <a:endParaRPr lang="en-US" dirty="0">
-              <a:solidFill>
-                <a:srgbClr val="FFFFFF"/>
-              </a:solidFill>
-            </a:endParaRPr>
-          </a:p>
-        </p:txBody>
-      </p:sp>
-      <p:sp>
-        <p:nvSpPr>
           <p:cNvPr id="8" name="Title 7">
             <a:extLst>
               <a:ext uri="{FF2B5EF4-FFF2-40B4-BE49-F238E27FC236}">
@@ -7086,42 +7604,6 @@
       </p:sp>
       <p:sp>
         <p:nvSpPr>
-          <p:cNvPr id="3" name="Subtitle 2">
-            <a:extLst>
-              <a:ext uri="{FF2B5EF4-FFF2-40B4-BE49-F238E27FC236}">
-                <a16:creationId xmlns:a16="http://schemas.microsoft.com/office/drawing/2014/main" id="{2554F763-5B52-2BA5-8527-C64C854A3756}"/>
-              </a:ext>
-            </a:extLst>
-          </p:cNvPr>
-          <p:cNvSpPr>
-            <a:spLocks noGrp="1"/>
-          </p:cNvSpPr>
-          <p:nvPr>
-            <p:ph type="subTitle" idx="1"/>
-          </p:nvPr>
-        </p:nvSpPr>
-        <p:spPr>
-          <a:xfrm>
-            <a:off x="1100051" y="5225240"/>
-            <a:ext cx="10058400" cy="1143000"/>
-          </a:xfrm>
-        </p:spPr>
-        <p:txBody>
-          <a:bodyPr>
-            <a:normAutofit/>
-          </a:bodyPr>
-          <a:lstStyle/>
-          <a:p>
-            <a:endParaRPr lang="en-US" dirty="0">
-              <a:solidFill>
-                <a:srgbClr val="FFFFFF"/>
-              </a:solidFill>
-            </a:endParaRPr>
-          </a:p>
-        </p:txBody>
-      </p:sp>
-      <p:sp>
-        <p:nvSpPr>
           <p:cNvPr id="8" name="Title 7">
             <a:extLst>
               <a:ext uri="{FF2B5EF4-FFF2-40B4-BE49-F238E27FC236}">
@@ -7533,42 +8015,6 @@
       </p:sp>
       <p:sp>
         <p:nvSpPr>
-          <p:cNvPr id="3" name="Subtitle 2">
-            <a:extLst>
-              <a:ext uri="{FF2B5EF4-FFF2-40B4-BE49-F238E27FC236}">
-                <a16:creationId xmlns:a16="http://schemas.microsoft.com/office/drawing/2014/main" id="{6DEA9518-4A28-A48B-FE7C-06EC8C775886}"/>
-              </a:ext>
-            </a:extLst>
-          </p:cNvPr>
-          <p:cNvSpPr>
-            <a:spLocks noGrp="1"/>
-          </p:cNvSpPr>
-          <p:nvPr>
-            <p:ph type="subTitle" idx="1"/>
-          </p:nvPr>
-        </p:nvSpPr>
-        <p:spPr>
-          <a:xfrm>
-            <a:off x="1100051" y="5225240"/>
-            <a:ext cx="10058400" cy="1143000"/>
-          </a:xfrm>
-        </p:spPr>
-        <p:txBody>
-          <a:bodyPr>
-            <a:normAutofit/>
-          </a:bodyPr>
-          <a:lstStyle/>
-          <a:p>
-            <a:endParaRPr lang="en-US" dirty="0">
-              <a:solidFill>
-                <a:srgbClr val="FFFFFF"/>
-              </a:solidFill>
-            </a:endParaRPr>
-          </a:p>
-        </p:txBody>
-      </p:sp>
-      <p:sp>
-        <p:nvSpPr>
           <p:cNvPr id="8" name="Title 7">
             <a:extLst>
               <a:ext uri="{FF2B5EF4-FFF2-40B4-BE49-F238E27FC236}">
@@ -7962,42 +8408,6 @@
           <a:lstStyle/>
           <a:p>
             <a:endParaRPr lang="en-IN"/>
-          </a:p>
-        </p:txBody>
-      </p:sp>
-      <p:sp>
-        <p:nvSpPr>
-          <p:cNvPr id="3" name="Subtitle 2">
-            <a:extLst>
-              <a:ext uri="{FF2B5EF4-FFF2-40B4-BE49-F238E27FC236}">
-                <a16:creationId xmlns:a16="http://schemas.microsoft.com/office/drawing/2014/main" id="{04274A39-E870-438D-99C9-5013CB44F209}"/>
-              </a:ext>
-            </a:extLst>
-          </p:cNvPr>
-          <p:cNvSpPr>
-            <a:spLocks noGrp="1"/>
-          </p:cNvSpPr>
-          <p:nvPr>
-            <p:ph type="subTitle" idx="1"/>
-          </p:nvPr>
-        </p:nvSpPr>
-        <p:spPr>
-          <a:xfrm>
-            <a:off x="1100051" y="5225240"/>
-            <a:ext cx="10058400" cy="1143000"/>
-          </a:xfrm>
-        </p:spPr>
-        <p:txBody>
-          <a:bodyPr>
-            <a:normAutofit/>
-          </a:bodyPr>
-          <a:lstStyle/>
-          <a:p>
-            <a:endParaRPr lang="en-US" dirty="0">
-              <a:solidFill>
-                <a:srgbClr val="FFFFFF"/>
-              </a:solidFill>
-            </a:endParaRPr>
           </a:p>
         </p:txBody>
       </p:sp>
@@ -8847,6 +9257,35 @@
 </file>
 
 <file path=customXml/item1.xml><?xml version="1.0" encoding="utf-8"?>
+<p:properties xmlns:p="http://schemas.microsoft.com/office/2006/metadata/properties" xmlns:xsi="http://www.w3.org/2001/XMLSchema-instance" xmlns:pc="http://schemas.microsoft.com/office/infopath/2007/PartnerControls">
+  <documentManagement>
+    <_ip_UnifiedCompliancePolicyUIAction xmlns="http://schemas.microsoft.com/sharepoint/v3" xsi:nil="true"/>
+    <Image xmlns="71af3243-3dd4-4a8d-8c0d-dd76da1f02a5">
+      <Url xsi:nil="true"/>
+      <Description xsi:nil="true"/>
+    </Image>
+    <Status xmlns="71af3243-3dd4-4a8d-8c0d-dd76da1f02a5">Not started</Status>
+    <Background xmlns="71af3243-3dd4-4a8d-8c0d-dd76da1f02a5">false</Background>
+    <_ip_UnifiedCompliancePolicyProperties xmlns="http://schemas.microsoft.com/sharepoint/v3" xsi:nil="true"/>
+    <ImageTagsTaxHTField xmlns="71af3243-3dd4-4a8d-8c0d-dd76da1f02a5">
+      <Terms xmlns="http://schemas.microsoft.com/office/infopath/2007/PartnerControls"/>
+    </ImageTagsTaxHTField>
+    <TaxCatchAll xmlns="230e9df3-be65-4c73-a93b-d1236ebd677e" xsi:nil="true"/>
+    <MediaServiceKeyPoints xmlns="71af3243-3dd4-4a8d-8c0d-dd76da1f02a5" xsi:nil="true"/>
+  </documentManagement>
+</p:properties>
+</file>
+
+<file path=customXml/item2.xml><?xml version="1.0" encoding="utf-8"?>
+<?mso-contentType ?>
+<FormTemplates xmlns="http://schemas.microsoft.com/sharepoint/v3/contenttype/forms">
+  <Display>DocumentLibraryForm</Display>
+  <Edit>DocumentLibraryForm</Edit>
+  <New>DocumentLibraryForm</New>
+</FormTemplates>
+</file>
+
+<file path=customXml/item3.xml><?xml version="1.0" encoding="utf-8"?>
 <ct:contentTypeSchema xmlns:ct="http://schemas.microsoft.com/office/2006/metadata/contentType" xmlns:ma="http://schemas.microsoft.com/office/2006/metadata/properties/metaAttributes" ct:_="" ma:_="" ma:contentTypeName="Document" ma:contentTypeID="0x01010079F111ED35F8CC479449609E8A0923A6" ma:contentTypeVersion="27" ma:contentTypeDescription="Create a new document." ma:contentTypeScope="" ma:versionID="c6f9a84f66a9c8b9a21755b9ffafb945">
   <xsd:schema xmlns:xsd="http://www.w3.org/2001/XMLSchema" xmlns:xs="http://www.w3.org/2001/XMLSchema" xmlns:p="http://schemas.microsoft.com/office/2006/metadata/properties" xmlns:ns1="http://schemas.microsoft.com/sharepoint/v3" xmlns:ns2="71af3243-3dd4-4a8d-8c0d-dd76da1f02a5" xmlns:ns3="16c05727-aa75-4e4a-9b5f-8a80a1165891" xmlns:ns4="230e9df3-be65-4c73-a93b-d1236ebd677e" targetNamespace="http://schemas.microsoft.com/office/2006/metadata/properties" ma:root="true" ma:fieldsID="27df39e3e7036dff54f89ddd5805ce72" ns1:_="" ns2:_="" ns3:_="" ns4:_="">
     <xsd:import namespace="http://schemas.microsoft.com/sharepoint/v3"/>
@@ -9152,36 +9591,27 @@
 </ct:contentTypeSchema>
 </file>
 
-<file path=customXml/item2.xml><?xml version="1.0" encoding="utf-8"?>
-<?mso-contentType ?>
-<FormTemplates xmlns="http://schemas.microsoft.com/sharepoint/v3/contenttype/forms">
-  <Display>DocumentLibraryForm</Display>
-  <Edit>DocumentLibraryForm</Edit>
-  <New>DocumentLibraryForm</New>
-</FormTemplates>
+<file path=customXml/itemProps1.xml><?xml version="1.0" encoding="utf-8"?>
+<ds:datastoreItem xmlns:ds="http://schemas.openxmlformats.org/officeDocument/2006/customXml" ds:itemID="{6F4F4D41-822D-40F2-A7AC-E4E6CB36CA7A}">
+  <ds:schemaRefs>
+    <ds:schemaRef ds:uri="http://schemas.microsoft.com/office/2006/metadata/properties"/>
+    <ds:schemaRef ds:uri="http://schemas.microsoft.com/office/infopath/2007/PartnerControls"/>
+    <ds:schemaRef ds:uri="http://schemas.microsoft.com/sharepoint/v3"/>
+    <ds:schemaRef ds:uri="71af3243-3dd4-4a8d-8c0d-dd76da1f02a5"/>
+    <ds:schemaRef ds:uri="230e9df3-be65-4c73-a93b-d1236ebd677e"/>
+  </ds:schemaRefs>
+</ds:datastoreItem>
 </file>
 
-<file path=customXml/item3.xml><?xml version="1.0" encoding="utf-8"?>
-<p:properties xmlns:p="http://schemas.microsoft.com/office/2006/metadata/properties" xmlns:xsi="http://www.w3.org/2001/XMLSchema-instance" xmlns:pc="http://schemas.microsoft.com/office/infopath/2007/PartnerControls">
-  <documentManagement>
-    <_ip_UnifiedCompliancePolicyUIAction xmlns="http://schemas.microsoft.com/sharepoint/v3" xsi:nil="true"/>
-    <Image xmlns="71af3243-3dd4-4a8d-8c0d-dd76da1f02a5">
-      <Url xsi:nil="true"/>
-      <Description xsi:nil="true"/>
-    </Image>
-    <Status xmlns="71af3243-3dd4-4a8d-8c0d-dd76da1f02a5">Not started</Status>
-    <Background xmlns="71af3243-3dd4-4a8d-8c0d-dd76da1f02a5">false</Background>
-    <_ip_UnifiedCompliancePolicyProperties xmlns="http://schemas.microsoft.com/sharepoint/v3" xsi:nil="true"/>
-    <ImageTagsTaxHTField xmlns="71af3243-3dd4-4a8d-8c0d-dd76da1f02a5">
-      <Terms xmlns="http://schemas.microsoft.com/office/infopath/2007/PartnerControls"/>
-    </ImageTagsTaxHTField>
-    <TaxCatchAll xmlns="230e9df3-be65-4c73-a93b-d1236ebd677e" xsi:nil="true"/>
-    <MediaServiceKeyPoints xmlns="71af3243-3dd4-4a8d-8c0d-dd76da1f02a5" xsi:nil="true"/>
-  </documentManagement>
-</p:properties>
+<file path=customXml/itemProps2.xml><?xml version="1.0" encoding="utf-8"?>
+<ds:datastoreItem xmlns:ds="http://schemas.openxmlformats.org/officeDocument/2006/customXml" ds:itemID="{19DAD249-BF80-48EF-9AFB-36A11BCDC2CE}">
+  <ds:schemaRefs>
+    <ds:schemaRef ds:uri="http://schemas.microsoft.com/sharepoint/v3/contenttype/forms"/>
+  </ds:schemaRefs>
+</ds:datastoreItem>
 </file>
 
-<file path=customXml/itemProps1.xml><?xml version="1.0" encoding="utf-8"?>
+<file path=customXml/itemProps3.xml><?xml version="1.0" encoding="utf-8"?>
 <ds:datastoreItem xmlns:ds="http://schemas.openxmlformats.org/officeDocument/2006/customXml" ds:itemID="{C5A59D56-2157-4202-9D02-F44E447A241D}">
   <ds:schemaRefs>
     <ds:schemaRef ds:uri="http://schemas.microsoft.com/office/2006/metadata/contentType"/>
@@ -9200,24 +9630,4 @@
     <ds:schemaRef ds:uri="http://schemas.microsoft.com/internal/obd"/>
   </ds:schemaRefs>
 </ds:datastoreItem>
-</file>
-
-<file path=customXml/itemProps2.xml><?xml version="1.0" encoding="utf-8"?>
-<ds:datastoreItem xmlns:ds="http://schemas.openxmlformats.org/officeDocument/2006/customXml" ds:itemID="{19DAD249-BF80-48EF-9AFB-36A11BCDC2CE}">
-  <ds:schemaRefs>
-    <ds:schemaRef ds:uri="http://schemas.microsoft.com/sharepoint/v3/contenttype/forms"/>
-  </ds:schemaRefs>
-</ds:datastoreItem>
-</file>
-
-<file path=customXml/itemProps3.xml><?xml version="1.0" encoding="utf-8"?>
-<ds:datastoreItem xmlns:ds="http://schemas.openxmlformats.org/officeDocument/2006/customXml" ds:itemID="{6F4F4D41-822D-40F2-A7AC-E4E6CB36CA7A}">
-  <ds:schemaRefs>
-    <ds:schemaRef ds:uri="http://schemas.microsoft.com/office/2006/metadata/properties"/>
-    <ds:schemaRef ds:uri="http://schemas.microsoft.com/office/infopath/2007/PartnerControls"/>
-    <ds:schemaRef ds:uri="http://schemas.microsoft.com/sharepoint/v3"/>
-    <ds:schemaRef ds:uri="71af3243-3dd4-4a8d-8c0d-dd76da1f02a5"/>
-    <ds:schemaRef ds:uri="230e9df3-be65-4c73-a93b-d1236ebd677e"/>
-  </ds:schemaRefs>
-</ds:datastoreItem>
 </file>